--- a/May14.pptx
+++ b/May14.pptx
@@ -10,6 +10,10 @@
     <p:sldId id="260" r:id="rId4"/>
     <p:sldId id="258" r:id="rId5"/>
     <p:sldId id="259" r:id="rId6"/>
+    <p:sldId id="261" r:id="rId7"/>
+    <p:sldId id="262" r:id="rId8"/>
+    <p:sldId id="263" r:id="rId9"/>
+    <p:sldId id="264" r:id="rId10"/>
   </p:sldIdLst>
   <p:sldSz cx="12192000" cy="6858000"/>
   <p:notesSz cx="6858000" cy="9144000"/>
@@ -3325,53 +3329,138 @@
           <a:chExt cx="0" cy="0"/>
         </a:xfrm>
       </p:grpSpPr>
-      <p:sp>
-        <p:nvSpPr>
-          <p:cNvPr id="2" name="Title 1">
-            <a:extLst>
-              <a:ext uri="{FF2B5EF4-FFF2-40B4-BE49-F238E27FC236}">
-                <a16:creationId xmlns:a16="http://schemas.microsoft.com/office/drawing/2014/main" id="{E1BD519C-D9F7-AE48-B5CE-85C3489E41BB}"/>
-              </a:ext>
-            </a:extLst>
-          </p:cNvPr>
-          <p:cNvSpPr>
-            <a:spLocks noGrp="1"/>
-          </p:cNvSpPr>
-          <p:nvPr>
-            <p:ph type="ctrTitle"/>
-          </p:nvPr>
-        </p:nvSpPr>
-        <p:spPr/>
-        <p:txBody>
-          <a:bodyPr/>
-          <a:lstStyle/>
-          <a:p>
-            <a:endParaRPr lang="en-US"/>
-          </a:p>
-        </p:txBody>
-      </p:sp>
-      <p:sp>
-        <p:nvSpPr>
-          <p:cNvPr id="3" name="Subtitle 2">
-            <a:extLst>
-              <a:ext uri="{FF2B5EF4-FFF2-40B4-BE49-F238E27FC236}">
-                <a16:creationId xmlns:a16="http://schemas.microsoft.com/office/drawing/2014/main" id="{98C0E939-89C4-6646-BCBC-1B2D03F6F41F}"/>
-              </a:ext>
-            </a:extLst>
-          </p:cNvPr>
-          <p:cNvSpPr>
-            <a:spLocks noGrp="1"/>
-          </p:cNvSpPr>
-          <p:nvPr>
-            <p:ph type="subTitle" idx="1"/>
-          </p:nvPr>
-        </p:nvSpPr>
-        <p:spPr/>
-        <p:txBody>
-          <a:bodyPr/>
-          <a:lstStyle/>
-          <a:p>
-            <a:endParaRPr lang="en-US"/>
+      <p:pic>
+        <p:nvPicPr>
+          <p:cNvPr id="4" name="Picture 3">
+            <a:extLst>
+              <a:ext uri="{FF2B5EF4-FFF2-40B4-BE49-F238E27FC236}">
+                <a16:creationId xmlns:a16="http://schemas.microsoft.com/office/drawing/2014/main" id="{B3A13CBC-1B83-6F45-B02A-56B56837168A}"/>
+              </a:ext>
+            </a:extLst>
+          </p:cNvPr>
+          <p:cNvPicPr>
+            <a:picLocks noChangeAspect="1"/>
+          </p:cNvPicPr>
+          <p:nvPr/>
+        </p:nvPicPr>
+        <p:blipFill>
+          <a:blip r:embed="rId2"/>
+          <a:stretch>
+            <a:fillRect/>
+          </a:stretch>
+        </p:blipFill>
+        <p:spPr>
+          <a:xfrm>
+            <a:off x="533400" y="2585545"/>
+            <a:ext cx="5832302" cy="3266089"/>
+          </a:xfrm>
+          <a:prstGeom prst="rect">
+            <a:avLst/>
+          </a:prstGeom>
+        </p:spPr>
+      </p:pic>
+      <p:sp>
+        <p:nvSpPr>
+          <p:cNvPr id="8" name="TextBox 7">
+            <a:extLst>
+              <a:ext uri="{FF2B5EF4-FFF2-40B4-BE49-F238E27FC236}">
+                <a16:creationId xmlns:a16="http://schemas.microsoft.com/office/drawing/2014/main" id="{0E869734-6B1B-3F4F-A9F3-ADAE5224212C}"/>
+              </a:ext>
+            </a:extLst>
+          </p:cNvPr>
+          <p:cNvSpPr txBox="1"/>
+          <p:nvPr/>
+        </p:nvSpPr>
+        <p:spPr>
+          <a:xfrm>
+            <a:off x="1036958" y="1397876"/>
+            <a:ext cx="10089931" cy="646331"/>
+          </a:xfrm>
+          <a:prstGeom prst="rect">
+            <a:avLst/>
+          </a:prstGeom>
+          <a:noFill/>
+        </p:spPr>
+        <p:txBody>
+          <a:bodyPr wrap="square" rtlCol="0">
+            <a:spAutoFit/>
+          </a:bodyPr>
+          <a:lstStyle/>
+          <a:p>
+            <a:r>
+              <a:rPr lang="en-US" sz="3600" dirty="0">
+                <a:solidFill>
+                  <a:schemeClr val="tx2">
+                    <a:lumMod val="75000"/>
+                  </a:schemeClr>
+                </a:solidFill>
+              </a:rPr>
+              <a:t>Docker and small scale production ready applications</a:t>
+            </a:r>
+            <a:endParaRPr lang="en-US" sz="3200" dirty="0">
+              <a:solidFill>
+                <a:schemeClr val="tx2">
+                  <a:lumMod val="75000"/>
+                </a:schemeClr>
+              </a:solidFill>
+            </a:endParaRPr>
+          </a:p>
+        </p:txBody>
+      </p:sp>
+      <p:sp>
+        <p:nvSpPr>
+          <p:cNvPr id="9" name="Title 1">
+            <a:extLst>
+              <a:ext uri="{FF2B5EF4-FFF2-40B4-BE49-F238E27FC236}">
+                <a16:creationId xmlns:a16="http://schemas.microsoft.com/office/drawing/2014/main" id="{41BAA744-BF7F-0A48-8BBE-178D0B264C5C}"/>
+              </a:ext>
+            </a:extLst>
+          </p:cNvPr>
+          <p:cNvSpPr txBox="1">
+            <a:spLocks/>
+          </p:cNvSpPr>
+          <p:nvPr/>
+        </p:nvSpPr>
+        <p:spPr>
+          <a:xfrm>
+            <a:off x="6829096" y="3429000"/>
+            <a:ext cx="3439511" cy="789589"/>
+          </a:xfrm>
+          <a:prstGeom prst="rect">
+            <a:avLst/>
+          </a:prstGeom>
+        </p:spPr>
+        <p:txBody>
+          <a:bodyPr vert="horz" lIns="91440" tIns="45720" rIns="91440" bIns="45720" rtlCol="0" anchor="b">
+            <a:normAutofit fontScale="97500"/>
+          </a:bodyPr>
+          <a:lstStyle>
+            <a:lvl1pPr algn="ctr" defTabSz="914400" rtl="0" eaLnBrk="1" latinLnBrk="0" hangingPunct="1">
+              <a:lnSpc>
+                <a:spcPct val="90000"/>
+              </a:lnSpc>
+              <a:spcBef>
+                <a:spcPct val="0"/>
+              </a:spcBef>
+              <a:buNone/>
+              <a:defRPr sz="6000" kern="1200">
+                <a:solidFill>
+                  <a:schemeClr val="tx1"/>
+                </a:solidFill>
+                <a:latin typeface="+mj-lt"/>
+                <a:ea typeface="+mj-ea"/>
+                <a:cs typeface="+mj-cs"/>
+              </a:defRPr>
+            </a:lvl1pPr>
+          </a:lstStyle>
+          <a:p>
+            <a:r>
+              <a:rPr lang="en-US" sz="2800" dirty="0">
+                <a:latin typeface="Calibri" panose="020F0502020204030204" pitchFamily="34" charset="0"/>
+                <a:cs typeface="Calibri" panose="020F0502020204030204" pitchFamily="34" charset="0"/>
+              </a:rPr>
+              <a:t>Tuesday May 14, 2019</a:t>
+            </a:r>
           </a:p>
         </p:txBody>
       </p:sp>
@@ -3435,7 +3524,7 @@
           <a:p>
             <a:r>
               <a:rPr lang="en-US" dirty="0"/>
-              <a:t>Securing your application</a:t>
+              <a:t>Securing your application starts on the server</a:t>
             </a:r>
           </a:p>
         </p:txBody>
@@ -3468,7 +3557,56 @@
           <a:p>
             <a:r>
               <a:rPr lang="en-US" dirty="0"/>
-              <a:t>Text</a:t>
+              <a:t>Your application will be attacked, constantly</a:t>
+            </a:r>
+          </a:p>
+          <a:p>
+            <a:r>
+              <a:rPr lang="en-US" dirty="0"/>
+              <a:t>What are your resources worth to an attacker?</a:t>
+            </a:r>
+          </a:p>
+          <a:p>
+            <a:pPr lvl="1"/>
+            <a:r>
+              <a:rPr lang="en-US" dirty="0"/>
+              <a:t>Machine as a basis for further attack?</a:t>
+            </a:r>
+          </a:p>
+          <a:p>
+            <a:pPr lvl="1"/>
+            <a:r>
+              <a:rPr lang="en-US" dirty="0"/>
+              <a:t>Personal data that can be resold?</a:t>
+            </a:r>
+          </a:p>
+          <a:p>
+            <a:pPr lvl="1"/>
+            <a:r>
+              <a:rPr lang="en-US" dirty="0" err="1"/>
+              <a:t>Etc</a:t>
+            </a:r>
+            <a:r>
+              <a:rPr lang="en-US" dirty="0"/>
+              <a:t>?</a:t>
+            </a:r>
+          </a:p>
+          <a:p>
+            <a:r>
+              <a:rPr lang="en-US" dirty="0"/>
+              <a:t>Make it harder for the attacker than what the resources are worth</a:t>
+            </a:r>
+          </a:p>
+          <a:p>
+            <a:r>
+              <a:rPr lang="en-US" dirty="0"/>
+              <a:t>Reduce the surface area</a:t>
+            </a:r>
+          </a:p>
+          <a:p>
+            <a:r>
+              <a:rPr lang="en-US" dirty="0"/>
+              <a:t>If you can keep it simple</a:t>
             </a:r>
           </a:p>
         </p:txBody>
@@ -3532,12 +3670,8 @@
           <a:lstStyle/>
           <a:p>
             <a:r>
-              <a:rPr lang="en-US"/>
-              <a:t>Deploying </a:t>
-            </a:r>
-            <a:r>
               <a:rPr lang="en-US" dirty="0"/>
-              <a:t>your application</a:t>
+              <a:t>Deploying your application</a:t>
             </a:r>
           </a:p>
         </p:txBody>
@@ -3565,13 +3699,114 @@
           </a:xfrm>
         </p:spPr>
         <p:txBody>
-          <a:bodyPr/>
-          <a:lstStyle/>
-          <a:p>
-            <a:r>
-              <a:rPr lang="en-US" dirty="0"/>
-              <a:t>Text</a:t>
-            </a:r>
+          <a:bodyPr>
+            <a:normAutofit fontScale="92500" lnSpcReduction="20000"/>
+          </a:bodyPr>
+          <a:lstStyle/>
+          <a:p>
+            <a:r>
+              <a:rPr lang="en-CA" dirty="0"/>
+              <a:t>One codebase tracked in revision control, many deploys</a:t>
+            </a:r>
+          </a:p>
+          <a:p>
+            <a:r>
+              <a:rPr lang="en-CA" dirty="0"/>
+              <a:t>Explicitly declare and isolate dependencies</a:t>
+            </a:r>
+          </a:p>
+          <a:p>
+            <a:r>
+              <a:rPr lang="en-CA" dirty="0"/>
+              <a:t>Store config in the environment</a:t>
+            </a:r>
+          </a:p>
+          <a:p>
+            <a:r>
+              <a:rPr lang="en-CA" dirty="0"/>
+              <a:t>Treat backing services as attached resources</a:t>
+            </a:r>
+          </a:p>
+          <a:p>
+            <a:r>
+              <a:rPr lang="en-CA" dirty="0"/>
+              <a:t>Strictly separate build and run stages</a:t>
+            </a:r>
+          </a:p>
+          <a:p>
+            <a:r>
+              <a:rPr lang="en-CA" dirty="0"/>
+              <a:t>Execute the app as one or more stateless processes</a:t>
+            </a:r>
+          </a:p>
+          <a:p>
+            <a:r>
+              <a:rPr lang="en-CA" dirty="0"/>
+              <a:t>Export services via port binding</a:t>
+            </a:r>
+          </a:p>
+          <a:p>
+            <a:r>
+              <a:rPr lang="en-CA" dirty="0"/>
+              <a:t>Scale out via the process model</a:t>
+            </a:r>
+          </a:p>
+          <a:p>
+            <a:r>
+              <a:rPr lang="en-CA" dirty="0"/>
+              <a:t>Maximize robustness with fast </a:t>
+            </a:r>
+            <a:r>
+              <a:rPr lang="en-CA" dirty="0" err="1"/>
+              <a:t>startup</a:t>
+            </a:r>
+            <a:r>
+              <a:rPr lang="en-CA" dirty="0"/>
+              <a:t> and graceful shutdown</a:t>
+            </a:r>
+          </a:p>
+          <a:p>
+            <a:r>
+              <a:rPr lang="en-CA" dirty="0"/>
+              <a:t>Keep development, staging, and production as similar as possible</a:t>
+            </a:r>
+          </a:p>
+        </p:txBody>
+      </p:sp>
+      <p:sp>
+        <p:nvSpPr>
+          <p:cNvPr id="4" name="Rectangle 3">
+            <a:extLst>
+              <a:ext uri="{FF2B5EF4-FFF2-40B4-BE49-F238E27FC236}">
+                <a16:creationId xmlns:a16="http://schemas.microsoft.com/office/drawing/2014/main" id="{0B7636B6-44A1-2D44-9AA3-3A2DCE3FE604}"/>
+              </a:ext>
+            </a:extLst>
+          </p:cNvPr>
+          <p:cNvSpPr/>
+          <p:nvPr/>
+        </p:nvSpPr>
+        <p:spPr>
+          <a:xfrm>
+            <a:off x="6639144" y="5893183"/>
+            <a:ext cx="2129878" cy="369332"/>
+          </a:xfrm>
+          <a:prstGeom prst="rect">
+            <a:avLst/>
+          </a:prstGeom>
+        </p:spPr>
+        <p:txBody>
+          <a:bodyPr wrap="none">
+            <a:spAutoFit/>
+          </a:bodyPr>
+          <a:lstStyle/>
+          <a:p>
+            <a:r>
+              <a:rPr lang="en-CA" dirty="0">
+                <a:hlinkClick r:id="rId2"/>
+              </a:rPr>
+              <a:t>https://12factor.net/</a:t>
+            </a:r>
+            <a:endParaRPr lang="en-US" dirty="0"/>
           </a:p>
         </p:txBody>
       </p:sp>
@@ -3730,7 +3965,7 @@
           <a:p>
             <a:r>
               <a:rPr lang="en-US" dirty="0"/>
-              <a:t>Docker and Firewall</a:t>
+              <a:t>Secured</a:t>
             </a:r>
           </a:p>
         </p:txBody>
@@ -3769,6 +4004,594 @@
     <p:extLst>
       <p:ext uri="{BB962C8B-B14F-4D97-AF65-F5344CB8AC3E}">
         <p14:creationId xmlns:p14="http://schemas.microsoft.com/office/powerpoint/2010/main" val="791346893"/>
+      </p:ext>
+    </p:extLst>
+  </p:cSld>
+  <p:clrMapOvr>
+    <a:masterClrMapping/>
+  </p:clrMapOvr>
+</p:sld>
+</file>
+
+<file path=ppt/slides/slide6.xml><?xml version="1.0" encoding="utf-8"?>
+<p:sld xmlns:a="http://schemas.openxmlformats.org/drawingml/2006/main" xmlns:r="http://schemas.openxmlformats.org/officeDocument/2006/relationships" xmlns:p="http://schemas.openxmlformats.org/presentationml/2006/main">
+  <p:cSld>
+    <p:spTree>
+      <p:nvGrpSpPr>
+        <p:cNvPr id="1" name=""/>
+        <p:cNvGrpSpPr/>
+        <p:nvPr/>
+      </p:nvGrpSpPr>
+      <p:grpSpPr>
+        <a:xfrm>
+          <a:off x="0" y="0"/>
+          <a:ext cx="0" cy="0"/>
+          <a:chOff x="0" y="0"/>
+          <a:chExt cx="0" cy="0"/>
+        </a:xfrm>
+      </p:grpSpPr>
+      <p:sp>
+        <p:nvSpPr>
+          <p:cNvPr id="2" name="Title 1">
+            <a:extLst>
+              <a:ext uri="{FF2B5EF4-FFF2-40B4-BE49-F238E27FC236}">
+                <a16:creationId xmlns:a16="http://schemas.microsoft.com/office/drawing/2014/main" id="{C11742EF-5565-4D4C-B0E3-CD845E371D85}"/>
+              </a:ext>
+            </a:extLst>
+          </p:cNvPr>
+          <p:cNvSpPr>
+            <a:spLocks noGrp="1"/>
+          </p:cNvSpPr>
+          <p:nvPr>
+            <p:ph type="title"/>
+          </p:nvPr>
+        </p:nvSpPr>
+        <p:spPr>
+          <a:xfrm>
+            <a:off x="838200" y="365125"/>
+            <a:ext cx="10515600" cy="675399"/>
+          </a:xfrm>
+        </p:spPr>
+        <p:txBody>
+          <a:bodyPr>
+            <a:normAutofit fontScale="90000"/>
+          </a:bodyPr>
+          <a:lstStyle/>
+          <a:p>
+            <a:r>
+              <a:rPr lang="en-US" dirty="0" err="1"/>
+              <a:t>Vue</a:t>
+            </a:r>
+            <a:r>
+              <a:rPr lang="en-US" dirty="0"/>
+              <a:t> </a:t>
+            </a:r>
+            <a:r>
+              <a:rPr lang="en-US" dirty="0" err="1"/>
+              <a:t>Js</a:t>
+            </a:r>
+            <a:endParaRPr lang="en-US" dirty="0"/>
+          </a:p>
+        </p:txBody>
+      </p:sp>
+      <p:sp>
+        <p:nvSpPr>
+          <p:cNvPr id="3" name="Content Placeholder 2">
+            <a:extLst>
+              <a:ext uri="{FF2B5EF4-FFF2-40B4-BE49-F238E27FC236}">
+                <a16:creationId xmlns:a16="http://schemas.microsoft.com/office/drawing/2014/main" id="{9B01C9BC-D953-064A-9B90-B0229CF1540D}"/>
+              </a:ext>
+            </a:extLst>
+          </p:cNvPr>
+          <p:cNvSpPr>
+            <a:spLocks noGrp="1"/>
+          </p:cNvSpPr>
+          <p:nvPr>
+            <p:ph idx="1"/>
+          </p:nvPr>
+        </p:nvSpPr>
+        <p:spPr>
+          <a:xfrm>
+            <a:off x="838200" y="1541845"/>
+            <a:ext cx="10515600" cy="4351338"/>
+          </a:xfrm>
+        </p:spPr>
+        <p:txBody>
+          <a:bodyPr/>
+          <a:lstStyle/>
+          <a:p>
+            <a:r>
+              <a:rPr lang="en-US" dirty="0"/>
+              <a:t>How does </a:t>
+            </a:r>
+            <a:r>
+              <a:rPr lang="en-US" dirty="0" err="1"/>
+              <a:t>Vue</a:t>
+            </a:r>
+            <a:r>
+              <a:rPr lang="en-US" dirty="0"/>
+              <a:t> produce the static web site and</a:t>
+            </a:r>
+          </a:p>
+          <a:p>
+            <a:r>
+              <a:rPr lang="en-US" dirty="0"/>
+              <a:t>How the files get into the web server container?</a:t>
+            </a:r>
+          </a:p>
+        </p:txBody>
+      </p:sp>
+      <p:pic>
+        <p:nvPicPr>
+          <p:cNvPr id="5" name="Picture 4">
+            <a:extLst>
+              <a:ext uri="{FF2B5EF4-FFF2-40B4-BE49-F238E27FC236}">
+                <a16:creationId xmlns:a16="http://schemas.microsoft.com/office/drawing/2014/main" id="{4A71013C-A4EA-8A44-BF9F-6CA6B0D3450B}"/>
+              </a:ext>
+            </a:extLst>
+          </p:cNvPr>
+          <p:cNvPicPr>
+            <a:picLocks noChangeAspect="1"/>
+          </p:cNvPicPr>
+          <p:nvPr/>
+        </p:nvPicPr>
+        <p:blipFill>
+          <a:blip r:embed="rId2"/>
+          <a:stretch>
+            <a:fillRect/>
+          </a:stretch>
+        </p:blipFill>
+        <p:spPr>
+          <a:xfrm>
+            <a:off x="2844800" y="1789383"/>
+            <a:ext cx="6502400" cy="4876800"/>
+          </a:xfrm>
+          <a:prstGeom prst="rect">
+            <a:avLst/>
+          </a:prstGeom>
+        </p:spPr>
+      </p:pic>
+    </p:spTree>
+    <p:extLst>
+      <p:ext uri="{BB962C8B-B14F-4D97-AF65-F5344CB8AC3E}">
+        <p14:creationId xmlns:p14="http://schemas.microsoft.com/office/powerpoint/2010/main" val="915750027"/>
+      </p:ext>
+    </p:extLst>
+  </p:cSld>
+  <p:clrMapOvr>
+    <a:masterClrMapping/>
+  </p:clrMapOvr>
+</p:sld>
+</file>
+
+<file path=ppt/slides/slide7.xml><?xml version="1.0" encoding="utf-8"?>
+<p:sld xmlns:a="http://schemas.openxmlformats.org/drawingml/2006/main" xmlns:r="http://schemas.openxmlformats.org/officeDocument/2006/relationships" xmlns:p="http://schemas.openxmlformats.org/presentationml/2006/main">
+  <p:cSld>
+    <p:spTree>
+      <p:nvGrpSpPr>
+        <p:cNvPr id="1" name=""/>
+        <p:cNvGrpSpPr/>
+        <p:nvPr/>
+      </p:nvGrpSpPr>
+      <p:grpSpPr>
+        <a:xfrm>
+          <a:off x="0" y="0"/>
+          <a:ext cx="0" cy="0"/>
+          <a:chOff x="0" y="0"/>
+          <a:chExt cx="0" cy="0"/>
+        </a:xfrm>
+      </p:grpSpPr>
+      <p:sp>
+        <p:nvSpPr>
+          <p:cNvPr id="2" name="Title 1">
+            <a:extLst>
+              <a:ext uri="{FF2B5EF4-FFF2-40B4-BE49-F238E27FC236}">
+                <a16:creationId xmlns:a16="http://schemas.microsoft.com/office/drawing/2014/main" id="{C11742EF-5565-4D4C-B0E3-CD845E371D85}"/>
+              </a:ext>
+            </a:extLst>
+          </p:cNvPr>
+          <p:cNvSpPr>
+            <a:spLocks noGrp="1"/>
+          </p:cNvSpPr>
+          <p:nvPr>
+            <p:ph type="title"/>
+          </p:nvPr>
+        </p:nvSpPr>
+        <p:spPr>
+          <a:xfrm>
+            <a:off x="838200" y="365125"/>
+            <a:ext cx="10515600" cy="675399"/>
+          </a:xfrm>
+        </p:spPr>
+        <p:txBody>
+          <a:bodyPr>
+            <a:normAutofit fontScale="90000"/>
+          </a:bodyPr>
+          <a:lstStyle/>
+          <a:p>
+            <a:r>
+              <a:rPr lang="en-US" dirty="0"/>
+              <a:t>Stage 1 – secure the server</a:t>
+            </a:r>
+          </a:p>
+        </p:txBody>
+      </p:sp>
+      <p:sp>
+        <p:nvSpPr>
+          <p:cNvPr id="3" name="Content Placeholder 2">
+            <a:extLst>
+              <a:ext uri="{FF2B5EF4-FFF2-40B4-BE49-F238E27FC236}">
+                <a16:creationId xmlns:a16="http://schemas.microsoft.com/office/drawing/2014/main" id="{9B01C9BC-D953-064A-9B90-B0229CF1540D}"/>
+              </a:ext>
+            </a:extLst>
+          </p:cNvPr>
+          <p:cNvSpPr>
+            <a:spLocks noGrp="1"/>
+          </p:cNvSpPr>
+          <p:nvPr>
+            <p:ph idx="1"/>
+          </p:nvPr>
+        </p:nvSpPr>
+        <p:spPr>
+          <a:xfrm>
+            <a:off x="838200" y="1541845"/>
+            <a:ext cx="10515600" cy="4351338"/>
+          </a:xfrm>
+        </p:spPr>
+        <p:txBody>
+          <a:bodyPr/>
+          <a:lstStyle/>
+          <a:p>
+            <a:r>
+              <a:rPr lang="en-US" dirty="0"/>
+              <a:t>Take a freshly built Debian server</a:t>
+            </a:r>
+          </a:p>
+          <a:p>
+            <a:r>
+              <a:rPr lang="en-US" dirty="0"/>
+              <a:t>No access with passwords. Private public key </a:t>
+            </a:r>
+            <a:r>
+              <a:rPr lang="en-US" dirty="0" err="1"/>
+              <a:t>ssh</a:t>
+            </a:r>
+            <a:r>
+              <a:rPr lang="en-US" dirty="0"/>
+              <a:t> only.</a:t>
+            </a:r>
+          </a:p>
+          <a:p>
+            <a:r>
+              <a:rPr lang="en-US" dirty="0"/>
+              <a:t>Block all external root access</a:t>
+            </a:r>
+          </a:p>
+          <a:p>
+            <a:r>
+              <a:rPr lang="en-US" dirty="0"/>
+              <a:t>Create a user with </a:t>
+            </a:r>
+            <a:r>
+              <a:rPr lang="en-US" dirty="0" err="1"/>
+              <a:t>sudo</a:t>
+            </a:r>
+            <a:r>
+              <a:rPr lang="en-US" dirty="0"/>
+              <a:t> access</a:t>
+            </a:r>
+          </a:p>
+          <a:p>
+            <a:r>
+              <a:rPr lang="en-US" dirty="0"/>
+              <a:t>Add a firewall</a:t>
+            </a:r>
+          </a:p>
+          <a:p>
+            <a:r>
+              <a:rPr lang="en-US" dirty="0"/>
+              <a:t>Obscure the </a:t>
+            </a:r>
+            <a:r>
+              <a:rPr lang="en-US" dirty="0" err="1"/>
+              <a:t>ssh</a:t>
+            </a:r>
+            <a:r>
+              <a:rPr lang="en-US" dirty="0"/>
+              <a:t> port</a:t>
+            </a:r>
+          </a:p>
+        </p:txBody>
+      </p:sp>
+    </p:spTree>
+    <p:extLst>
+      <p:ext uri="{BB962C8B-B14F-4D97-AF65-F5344CB8AC3E}">
+        <p14:creationId xmlns:p14="http://schemas.microsoft.com/office/powerpoint/2010/main" val="3637767622"/>
+      </p:ext>
+    </p:extLst>
+  </p:cSld>
+  <p:clrMapOvr>
+    <a:masterClrMapping/>
+  </p:clrMapOvr>
+</p:sld>
+</file>
+
+<file path=ppt/slides/slide8.xml><?xml version="1.0" encoding="utf-8"?>
+<p:sld xmlns:a="http://schemas.openxmlformats.org/drawingml/2006/main" xmlns:r="http://schemas.openxmlformats.org/officeDocument/2006/relationships" xmlns:p="http://schemas.openxmlformats.org/presentationml/2006/main">
+  <p:cSld>
+    <p:spTree>
+      <p:nvGrpSpPr>
+        <p:cNvPr id="1" name=""/>
+        <p:cNvGrpSpPr/>
+        <p:nvPr/>
+      </p:nvGrpSpPr>
+      <p:grpSpPr>
+        <a:xfrm>
+          <a:off x="0" y="0"/>
+          <a:ext cx="0" cy="0"/>
+          <a:chOff x="0" y="0"/>
+          <a:chExt cx="0" cy="0"/>
+        </a:xfrm>
+      </p:grpSpPr>
+      <p:sp>
+        <p:nvSpPr>
+          <p:cNvPr id="2" name="Title 1">
+            <a:extLst>
+              <a:ext uri="{FF2B5EF4-FFF2-40B4-BE49-F238E27FC236}">
+                <a16:creationId xmlns:a16="http://schemas.microsoft.com/office/drawing/2014/main" id="{C11742EF-5565-4D4C-B0E3-CD845E371D85}"/>
+              </a:ext>
+            </a:extLst>
+          </p:cNvPr>
+          <p:cNvSpPr>
+            <a:spLocks noGrp="1"/>
+          </p:cNvSpPr>
+          <p:nvPr>
+            <p:ph type="title"/>
+          </p:nvPr>
+        </p:nvSpPr>
+        <p:spPr>
+          <a:xfrm>
+            <a:off x="838200" y="365125"/>
+            <a:ext cx="10515600" cy="675399"/>
+          </a:xfrm>
+        </p:spPr>
+        <p:txBody>
+          <a:bodyPr>
+            <a:normAutofit fontScale="90000"/>
+          </a:bodyPr>
+          <a:lstStyle/>
+          <a:p>
+            <a:r>
+              <a:rPr lang="en-US" dirty="0"/>
+              <a:t>Stage 2 – prepare the server</a:t>
+            </a:r>
+          </a:p>
+        </p:txBody>
+      </p:sp>
+      <p:sp>
+        <p:nvSpPr>
+          <p:cNvPr id="3" name="Content Placeholder 2">
+            <a:extLst>
+              <a:ext uri="{FF2B5EF4-FFF2-40B4-BE49-F238E27FC236}">
+                <a16:creationId xmlns:a16="http://schemas.microsoft.com/office/drawing/2014/main" id="{9B01C9BC-D953-064A-9B90-B0229CF1540D}"/>
+              </a:ext>
+            </a:extLst>
+          </p:cNvPr>
+          <p:cNvSpPr>
+            <a:spLocks noGrp="1"/>
+          </p:cNvSpPr>
+          <p:nvPr>
+            <p:ph idx="1"/>
+          </p:nvPr>
+        </p:nvSpPr>
+        <p:spPr>
+          <a:xfrm>
+            <a:off x="838200" y="1541845"/>
+            <a:ext cx="10515600" cy="4351338"/>
+          </a:xfrm>
+        </p:spPr>
+        <p:txBody>
+          <a:bodyPr/>
+          <a:lstStyle/>
+          <a:p>
+            <a:r>
+              <a:rPr lang="en-US" dirty="0"/>
+              <a:t>Install Docker</a:t>
+            </a:r>
+          </a:p>
+          <a:p>
+            <a:r>
+              <a:rPr lang="en-US" dirty="0"/>
+              <a:t>Install Node </a:t>
+            </a:r>
+            <a:r>
+              <a:rPr lang="en-US" dirty="0" err="1"/>
+              <a:t>js</a:t>
+            </a:r>
+            <a:r>
+              <a:rPr lang="en-US" dirty="0"/>
+              <a:t> and </a:t>
+            </a:r>
+            <a:r>
+              <a:rPr lang="en-US" dirty="0" err="1"/>
+              <a:t>npm</a:t>
+            </a:r>
+            <a:endParaRPr lang="en-US" dirty="0"/>
+          </a:p>
+          <a:p>
+            <a:r>
+              <a:rPr lang="en-US" dirty="0"/>
+              <a:t>Create a sample web site (your application web pages)</a:t>
+            </a:r>
+          </a:p>
+          <a:p>
+            <a:r>
+              <a:rPr lang="en-US" dirty="0"/>
+              <a:t>Serve your site via </a:t>
+            </a:r>
+            <a:r>
+              <a:rPr lang="en-US" dirty="0" err="1"/>
+              <a:t>nginx</a:t>
+            </a:r>
+            <a:r>
+              <a:rPr lang="en-US" dirty="0"/>
+              <a:t> in a docker container</a:t>
+            </a:r>
+          </a:p>
+          <a:p>
+            <a:r>
+              <a:rPr lang="en-US" dirty="0"/>
+              <a:t>Nginx is </a:t>
+            </a:r>
+          </a:p>
+          <a:p>
+            <a:pPr lvl="1"/>
+            <a:r>
+              <a:rPr lang="en-CA" dirty="0"/>
+              <a:t>Production quality web server</a:t>
+            </a:r>
+          </a:p>
+          <a:p>
+            <a:pPr lvl="1"/>
+            <a:r>
+              <a:rPr lang="en-CA" dirty="0"/>
+              <a:t>Responsive</a:t>
+            </a:r>
+          </a:p>
+          <a:p>
+            <a:pPr lvl="1"/>
+            <a:r>
+              <a:rPr lang="en-CA" dirty="0"/>
+              <a:t>Ideal for micro-services</a:t>
+            </a:r>
+          </a:p>
+          <a:p>
+            <a:r>
+              <a:rPr lang="en-CA" dirty="0"/>
+              <a:t>In a docker container you can run </a:t>
+            </a:r>
+            <a:r>
+              <a:rPr lang="en-CA" dirty="0" err="1"/>
+              <a:t>nginx</a:t>
+            </a:r>
+            <a:r>
+              <a:rPr lang="en-CA" dirty="0"/>
+              <a:t> anywhere</a:t>
+            </a:r>
+            <a:endParaRPr lang="en-US" dirty="0"/>
+          </a:p>
+        </p:txBody>
+      </p:sp>
+    </p:spTree>
+    <p:extLst>
+      <p:ext uri="{BB962C8B-B14F-4D97-AF65-F5344CB8AC3E}">
+        <p14:creationId xmlns:p14="http://schemas.microsoft.com/office/powerpoint/2010/main" val="320459508"/>
+      </p:ext>
+    </p:extLst>
+  </p:cSld>
+  <p:clrMapOvr>
+    <a:masterClrMapping/>
+  </p:clrMapOvr>
+</p:sld>
+</file>
+
+<file path=ppt/slides/slide9.xml><?xml version="1.0" encoding="utf-8"?>
+<p:sld xmlns:a="http://schemas.openxmlformats.org/drawingml/2006/main" xmlns:r="http://schemas.openxmlformats.org/officeDocument/2006/relationships" xmlns:p="http://schemas.openxmlformats.org/presentationml/2006/main">
+  <p:cSld>
+    <p:spTree>
+      <p:nvGrpSpPr>
+        <p:cNvPr id="1" name=""/>
+        <p:cNvGrpSpPr/>
+        <p:nvPr/>
+      </p:nvGrpSpPr>
+      <p:grpSpPr>
+        <a:xfrm>
+          <a:off x="0" y="0"/>
+          <a:ext cx="0" cy="0"/>
+          <a:chOff x="0" y="0"/>
+          <a:chExt cx="0" cy="0"/>
+        </a:xfrm>
+      </p:grpSpPr>
+      <p:sp>
+        <p:nvSpPr>
+          <p:cNvPr id="2" name="Title 1">
+            <a:extLst>
+              <a:ext uri="{FF2B5EF4-FFF2-40B4-BE49-F238E27FC236}">
+                <a16:creationId xmlns:a16="http://schemas.microsoft.com/office/drawing/2014/main" id="{C11742EF-5565-4D4C-B0E3-CD845E371D85}"/>
+              </a:ext>
+            </a:extLst>
+          </p:cNvPr>
+          <p:cNvSpPr>
+            <a:spLocks noGrp="1"/>
+          </p:cNvSpPr>
+          <p:nvPr>
+            <p:ph type="title"/>
+          </p:nvPr>
+        </p:nvSpPr>
+        <p:spPr>
+          <a:xfrm>
+            <a:off x="838200" y="365125"/>
+            <a:ext cx="10515600" cy="675399"/>
+          </a:xfrm>
+        </p:spPr>
+        <p:txBody>
+          <a:bodyPr>
+            <a:normAutofit fontScale="90000"/>
+          </a:bodyPr>
+          <a:lstStyle/>
+          <a:p>
+            <a:r>
+              <a:rPr lang="en-US" dirty="0"/>
+              <a:t>Stage 3a – add API server</a:t>
+            </a:r>
+          </a:p>
+        </p:txBody>
+      </p:sp>
+      <p:sp>
+        <p:nvSpPr>
+          <p:cNvPr id="3" name="Content Placeholder 2">
+            <a:extLst>
+              <a:ext uri="{FF2B5EF4-FFF2-40B4-BE49-F238E27FC236}">
+                <a16:creationId xmlns:a16="http://schemas.microsoft.com/office/drawing/2014/main" id="{9B01C9BC-D953-064A-9B90-B0229CF1540D}"/>
+              </a:ext>
+            </a:extLst>
+          </p:cNvPr>
+          <p:cNvSpPr>
+            <a:spLocks noGrp="1"/>
+          </p:cNvSpPr>
+          <p:nvPr>
+            <p:ph idx="1"/>
+          </p:nvPr>
+        </p:nvSpPr>
+        <p:spPr>
+          <a:xfrm>
+            <a:off x="838200" y="1541845"/>
+            <a:ext cx="10515600" cy="4351338"/>
+          </a:xfrm>
+        </p:spPr>
+        <p:txBody>
+          <a:bodyPr/>
+          <a:lstStyle/>
+          <a:p>
+            <a:r>
+              <a:rPr lang="en-US" dirty="0"/>
+              <a:t>Add a node </a:t>
+            </a:r>
+            <a:r>
+              <a:rPr lang="en-US" dirty="0" err="1"/>
+              <a:t>js</a:t>
+            </a:r>
+            <a:r>
+              <a:rPr lang="en-US" dirty="0"/>
+              <a:t>, express based API server.</a:t>
+            </a:r>
+          </a:p>
+        </p:txBody>
+      </p:sp>
+    </p:spTree>
+    <p:extLst>
+      <p:ext uri="{BB962C8B-B14F-4D97-AF65-F5344CB8AC3E}">
+        <p14:creationId xmlns:p14="http://schemas.microsoft.com/office/powerpoint/2010/main" val="1007907989"/>
       </p:ext>
     </p:extLst>
   </p:cSld>

--- a/May14.pptx
+++ b/May14.pptx
@@ -14,6 +14,7 @@
     <p:sldId id="262" r:id="rId8"/>
     <p:sldId id="263" r:id="rId9"/>
     <p:sldId id="264" r:id="rId10"/>
+    <p:sldId id="265" r:id="rId11"/>
   </p:sldIdLst>
   <p:sldSz cx="12192000" cy="6858000"/>
   <p:notesSz cx="6858000" cy="9144000"/>
@@ -112,6 +113,11 @@
       </a:defRPr>
     </a:lvl9pPr>
   </p:defaultTextStyle>
+  <p:extLst>
+    <p:ext uri="{EFAFB233-063F-42B5-8137-9DF3F51BA10A}">
+      <p15:sldGuideLst xmlns:p15="http://schemas.microsoft.com/office/powerpoint/2012/main"/>
+    </p:ext>
+  </p:extLst>
 </p:presentation>
 </file>
 
@@ -3477,6 +3483,101 @@
 </p:sld>
 </file>
 
+<file path=ppt/slides/slide10.xml><?xml version="1.0" encoding="utf-8"?>
+<p:sld xmlns:a="http://schemas.openxmlformats.org/drawingml/2006/main" xmlns:r="http://schemas.openxmlformats.org/officeDocument/2006/relationships" xmlns:p="http://schemas.openxmlformats.org/presentationml/2006/main">
+  <p:cSld>
+    <p:spTree>
+      <p:nvGrpSpPr>
+        <p:cNvPr id="1" name=""/>
+        <p:cNvGrpSpPr/>
+        <p:nvPr/>
+      </p:nvGrpSpPr>
+      <p:grpSpPr>
+        <a:xfrm>
+          <a:off x="0" y="0"/>
+          <a:ext cx="0" cy="0"/>
+          <a:chOff x="0" y="0"/>
+          <a:chExt cx="0" cy="0"/>
+        </a:xfrm>
+      </p:grpSpPr>
+      <p:sp>
+        <p:nvSpPr>
+          <p:cNvPr id="2" name="Title 1">
+            <a:extLst>
+              <a:ext uri="{FF2B5EF4-FFF2-40B4-BE49-F238E27FC236}">
+                <a16:creationId xmlns:a16="http://schemas.microsoft.com/office/drawing/2014/main" id="{C11742EF-5565-4D4C-B0E3-CD845E371D85}"/>
+              </a:ext>
+            </a:extLst>
+          </p:cNvPr>
+          <p:cNvSpPr>
+            <a:spLocks noGrp="1"/>
+          </p:cNvSpPr>
+          <p:nvPr>
+            <p:ph type="title"/>
+          </p:nvPr>
+        </p:nvSpPr>
+        <p:spPr>
+          <a:xfrm>
+            <a:off x="838200" y="365125"/>
+            <a:ext cx="10515600" cy="675399"/>
+          </a:xfrm>
+        </p:spPr>
+        <p:txBody>
+          <a:bodyPr>
+            <a:normAutofit fontScale="90000"/>
+          </a:bodyPr>
+          <a:lstStyle/>
+          <a:p>
+            <a:r>
+              <a:rPr lang="en-US" dirty="0"/>
+              <a:t>More secure</a:t>
+            </a:r>
+          </a:p>
+        </p:txBody>
+      </p:sp>
+      <p:pic>
+        <p:nvPicPr>
+          <p:cNvPr id="7" name="Picture 6">
+            <a:extLst>
+              <a:ext uri="{FF2B5EF4-FFF2-40B4-BE49-F238E27FC236}">
+                <a16:creationId xmlns:a16="http://schemas.microsoft.com/office/drawing/2014/main" id="{37922083-6BDC-2840-9E16-FE1D9A75634E}"/>
+              </a:ext>
+            </a:extLst>
+          </p:cNvPr>
+          <p:cNvPicPr>
+            <a:picLocks noChangeAspect="1"/>
+          </p:cNvPicPr>
+          <p:nvPr/>
+        </p:nvPicPr>
+        <p:blipFill>
+          <a:blip r:embed="rId2"/>
+          <a:stretch>
+            <a:fillRect/>
+          </a:stretch>
+        </p:blipFill>
+        <p:spPr>
+          <a:xfrm>
+            <a:off x="1240221" y="630621"/>
+            <a:ext cx="8586951" cy="6440213"/>
+          </a:xfrm>
+          <a:prstGeom prst="rect">
+            <a:avLst/>
+          </a:prstGeom>
+        </p:spPr>
+      </p:pic>
+    </p:spTree>
+    <p:extLst>
+      <p:ext uri="{BB962C8B-B14F-4D97-AF65-F5344CB8AC3E}">
+        <p14:creationId xmlns:p14="http://schemas.microsoft.com/office/powerpoint/2010/main" val="3673749805"/>
+      </p:ext>
+    </p:extLst>
+  </p:cSld>
+  <p:clrMapOvr>
+    <a:masterClrMapping/>
+  </p:clrMapOvr>
+</p:sld>
+</file>
+
 <file path=ppt/slides/slide2.xml><?xml version="1.0" encoding="utf-8"?>
 <p:sld xmlns:a="http://schemas.openxmlformats.org/drawingml/2006/main" xmlns:r="http://schemas.openxmlformats.org/officeDocument/2006/relationships" xmlns:p="http://schemas.openxmlformats.org/presentationml/2006/main">
   <p:cSld>
@@ -3671,7 +3772,7 @@
           <a:p>
             <a:r>
               <a:rPr lang="en-US" dirty="0"/>
-              <a:t>Deploying your application</a:t>
+              <a:t>Application deployment objectives</a:t>
             </a:r>
           </a:p>
         </p:txBody>
@@ -3965,7 +4066,7 @@
           <a:p>
             <a:r>
               <a:rPr lang="en-US" dirty="0"/>
-              <a:t>Secured</a:t>
+              <a:t>More secure</a:t>
             </a:r>
           </a:p>
         </p:txBody>
@@ -4059,8 +4160,12 @@
           <a:lstStyle/>
           <a:p>
             <a:r>
+              <a:rPr lang="en-US" dirty="0"/>
+              <a:t>Brief intro to </a:t>
+            </a:r>
+            <a:r>
               <a:rPr lang="en-US" dirty="0" err="1"/>
-              <a:t>Vue</a:t>
+              <a:t>vue</a:t>
             </a:r>
             <a:r>
               <a:rPr lang="en-US" dirty="0"/>
@@ -4068,7 +4173,7 @@
             </a:r>
             <a:r>
               <a:rPr lang="en-US" dirty="0" err="1"/>
-              <a:t>Js</a:t>
+              <a:t>js</a:t>
             </a:r>
             <a:endParaRPr lang="en-US" dirty="0"/>
           </a:p>
@@ -4583,8 +4688,301 @@
             </a:r>
             <a:r>
               <a:rPr lang="en-US" dirty="0"/>
-              <a:t>, express based API server.</a:t>
-            </a:r>
+              <a:t>, express based API server</a:t>
+            </a:r>
+          </a:p>
+          <a:p>
+            <a:r>
+              <a:rPr lang="en-US" dirty="0"/>
+              <a:t>Docker-</a:t>
+            </a:r>
+            <a:r>
+              <a:rPr lang="en-US" dirty="0" err="1"/>
+              <a:t>ize</a:t>
+            </a:r>
+            <a:r>
+              <a:rPr lang="en-US" dirty="0"/>
+              <a:t> the API server</a:t>
+            </a:r>
+          </a:p>
+          <a:p>
+            <a:r>
+              <a:rPr lang="en-US" dirty="0"/>
+              <a:t>Nginx proxy requests for </a:t>
+            </a:r>
+            <a:r>
+              <a:rPr lang="en-US" dirty="0">
+                <a:hlinkClick r:id="rId2"/>
+              </a:rPr>
+              <a:t>http://domain/api</a:t>
+            </a:r>
+            <a:r>
+              <a:rPr lang="en-US" dirty="0"/>
+              <a:t> to our </a:t>
+            </a:r>
+          </a:p>
+        </p:txBody>
+      </p:sp>
+      <p:sp>
+        <p:nvSpPr>
+          <p:cNvPr id="7" name="Title 1">
+            <a:extLst>
+              <a:ext uri="{FF2B5EF4-FFF2-40B4-BE49-F238E27FC236}">
+                <a16:creationId xmlns:a16="http://schemas.microsoft.com/office/drawing/2014/main" id="{FF6E2633-42E5-3845-A2E2-EEB06E6B1F9B}"/>
+              </a:ext>
+            </a:extLst>
+          </p:cNvPr>
+          <p:cNvSpPr txBox="1">
+            <a:spLocks/>
+          </p:cNvSpPr>
+          <p:nvPr/>
+        </p:nvSpPr>
+        <p:spPr>
+          <a:xfrm>
+            <a:off x="838200" y="3599191"/>
+            <a:ext cx="10515600" cy="675399"/>
+          </a:xfrm>
+          <a:prstGeom prst="rect">
+            <a:avLst/>
+          </a:prstGeom>
+        </p:spPr>
+        <p:txBody>
+          <a:bodyPr vert="horz" lIns="91440" tIns="45720" rIns="91440" bIns="45720" rtlCol="0" anchor="ctr">
+            <a:normAutofit fontScale="97500" lnSpcReduction="10000"/>
+          </a:bodyPr>
+          <a:lstStyle>
+            <a:lvl1pPr algn="l" defTabSz="914400" rtl="0" eaLnBrk="1" latinLnBrk="0" hangingPunct="1">
+              <a:lnSpc>
+                <a:spcPct val="90000"/>
+              </a:lnSpc>
+              <a:spcBef>
+                <a:spcPct val="0"/>
+              </a:spcBef>
+              <a:buNone/>
+              <a:defRPr sz="4400" kern="1200">
+                <a:solidFill>
+                  <a:schemeClr val="tx1"/>
+                </a:solidFill>
+                <a:latin typeface="+mj-lt"/>
+                <a:ea typeface="+mj-ea"/>
+                <a:cs typeface="+mj-cs"/>
+              </a:defRPr>
+            </a:lvl1pPr>
+          </a:lstStyle>
+          <a:p>
+            <a:r>
+              <a:rPr lang="en-US"/>
+              <a:t>Stage 4 – mongo db</a:t>
+            </a:r>
+            <a:endParaRPr lang="en-US" dirty="0"/>
+          </a:p>
+        </p:txBody>
+      </p:sp>
+      <p:sp>
+        <p:nvSpPr>
+          <p:cNvPr id="8" name="Content Placeholder 2">
+            <a:extLst>
+              <a:ext uri="{FF2B5EF4-FFF2-40B4-BE49-F238E27FC236}">
+                <a16:creationId xmlns:a16="http://schemas.microsoft.com/office/drawing/2014/main" id="{F7C7D750-890F-B749-94D5-B55D1A167A36}"/>
+              </a:ext>
+            </a:extLst>
+          </p:cNvPr>
+          <p:cNvSpPr txBox="1">
+            <a:spLocks/>
+          </p:cNvSpPr>
+          <p:nvPr/>
+        </p:nvSpPr>
+        <p:spPr>
+          <a:xfrm>
+            <a:off x="838200" y="4775911"/>
+            <a:ext cx="10515600" cy="1117272"/>
+          </a:xfrm>
+          <a:prstGeom prst="rect">
+            <a:avLst/>
+          </a:prstGeom>
+        </p:spPr>
+        <p:txBody>
+          <a:bodyPr vert="horz" lIns="91440" tIns="45720" rIns="91440" bIns="45720" rtlCol="0">
+            <a:normAutofit/>
+          </a:bodyPr>
+          <a:lstStyle>
+            <a:lvl1pPr marL="228600" indent="-228600" algn="l" defTabSz="914400" rtl="0" eaLnBrk="1" latinLnBrk="0" hangingPunct="1">
+              <a:lnSpc>
+                <a:spcPct val="90000"/>
+              </a:lnSpc>
+              <a:spcBef>
+                <a:spcPts val="1000"/>
+              </a:spcBef>
+              <a:buFont typeface="Arial" panose="020B0604020202020204" pitchFamily="34" charset="0"/>
+              <a:buChar char="•"/>
+              <a:defRPr sz="2800" kern="1200">
+                <a:solidFill>
+                  <a:schemeClr val="tx1"/>
+                </a:solidFill>
+                <a:latin typeface="+mn-lt"/>
+                <a:ea typeface="+mn-ea"/>
+                <a:cs typeface="+mn-cs"/>
+              </a:defRPr>
+            </a:lvl1pPr>
+            <a:lvl2pPr marL="685800" indent="-228600" algn="l" defTabSz="914400" rtl="0" eaLnBrk="1" latinLnBrk="0" hangingPunct="1">
+              <a:lnSpc>
+                <a:spcPct val="90000"/>
+              </a:lnSpc>
+              <a:spcBef>
+                <a:spcPts val="500"/>
+              </a:spcBef>
+              <a:buFont typeface="Arial" panose="020B0604020202020204" pitchFamily="34" charset="0"/>
+              <a:buChar char="•"/>
+              <a:defRPr sz="2400" kern="1200">
+                <a:solidFill>
+                  <a:schemeClr val="tx1"/>
+                </a:solidFill>
+                <a:latin typeface="+mn-lt"/>
+                <a:ea typeface="+mn-ea"/>
+                <a:cs typeface="+mn-cs"/>
+              </a:defRPr>
+            </a:lvl2pPr>
+            <a:lvl3pPr marL="1143000" indent="-228600" algn="l" defTabSz="914400" rtl="0" eaLnBrk="1" latinLnBrk="0" hangingPunct="1">
+              <a:lnSpc>
+                <a:spcPct val="90000"/>
+              </a:lnSpc>
+              <a:spcBef>
+                <a:spcPts val="500"/>
+              </a:spcBef>
+              <a:buFont typeface="Arial" panose="020B0604020202020204" pitchFamily="34" charset="0"/>
+              <a:buChar char="•"/>
+              <a:defRPr sz="2000" kern="1200">
+                <a:solidFill>
+                  <a:schemeClr val="tx1"/>
+                </a:solidFill>
+                <a:latin typeface="+mn-lt"/>
+                <a:ea typeface="+mn-ea"/>
+                <a:cs typeface="+mn-cs"/>
+              </a:defRPr>
+            </a:lvl3pPr>
+            <a:lvl4pPr marL="1600200" indent="-228600" algn="l" defTabSz="914400" rtl="0" eaLnBrk="1" latinLnBrk="0" hangingPunct="1">
+              <a:lnSpc>
+                <a:spcPct val="90000"/>
+              </a:lnSpc>
+              <a:spcBef>
+                <a:spcPts val="500"/>
+              </a:spcBef>
+              <a:buFont typeface="Arial" panose="020B0604020202020204" pitchFamily="34" charset="0"/>
+              <a:buChar char="•"/>
+              <a:defRPr sz="1800" kern="1200">
+                <a:solidFill>
+                  <a:schemeClr val="tx1"/>
+                </a:solidFill>
+                <a:latin typeface="+mn-lt"/>
+                <a:ea typeface="+mn-ea"/>
+                <a:cs typeface="+mn-cs"/>
+              </a:defRPr>
+            </a:lvl4pPr>
+            <a:lvl5pPr marL="2057400" indent="-228600" algn="l" defTabSz="914400" rtl="0" eaLnBrk="1" latinLnBrk="0" hangingPunct="1">
+              <a:lnSpc>
+                <a:spcPct val="90000"/>
+              </a:lnSpc>
+              <a:spcBef>
+                <a:spcPts val="500"/>
+              </a:spcBef>
+              <a:buFont typeface="Arial" panose="020B0604020202020204" pitchFamily="34" charset="0"/>
+              <a:buChar char="•"/>
+              <a:defRPr sz="1800" kern="1200">
+                <a:solidFill>
+                  <a:schemeClr val="tx1"/>
+                </a:solidFill>
+                <a:latin typeface="+mn-lt"/>
+                <a:ea typeface="+mn-ea"/>
+                <a:cs typeface="+mn-cs"/>
+              </a:defRPr>
+            </a:lvl5pPr>
+            <a:lvl6pPr marL="2514600" indent="-228600" algn="l" defTabSz="914400" rtl="0" eaLnBrk="1" latinLnBrk="0" hangingPunct="1">
+              <a:lnSpc>
+                <a:spcPct val="90000"/>
+              </a:lnSpc>
+              <a:spcBef>
+                <a:spcPts val="500"/>
+              </a:spcBef>
+              <a:buFont typeface="Arial" panose="020B0604020202020204" pitchFamily="34" charset="0"/>
+              <a:buChar char="•"/>
+              <a:defRPr sz="1800" kern="1200">
+                <a:solidFill>
+                  <a:schemeClr val="tx1"/>
+                </a:solidFill>
+                <a:latin typeface="+mn-lt"/>
+                <a:ea typeface="+mn-ea"/>
+                <a:cs typeface="+mn-cs"/>
+              </a:defRPr>
+            </a:lvl6pPr>
+            <a:lvl7pPr marL="2971800" indent="-228600" algn="l" defTabSz="914400" rtl="0" eaLnBrk="1" latinLnBrk="0" hangingPunct="1">
+              <a:lnSpc>
+                <a:spcPct val="90000"/>
+              </a:lnSpc>
+              <a:spcBef>
+                <a:spcPts val="500"/>
+              </a:spcBef>
+              <a:buFont typeface="Arial" panose="020B0604020202020204" pitchFamily="34" charset="0"/>
+              <a:buChar char="•"/>
+              <a:defRPr sz="1800" kern="1200">
+                <a:solidFill>
+                  <a:schemeClr val="tx1"/>
+                </a:solidFill>
+                <a:latin typeface="+mn-lt"/>
+                <a:ea typeface="+mn-ea"/>
+                <a:cs typeface="+mn-cs"/>
+              </a:defRPr>
+            </a:lvl7pPr>
+            <a:lvl8pPr marL="3429000" indent="-228600" algn="l" defTabSz="914400" rtl="0" eaLnBrk="1" latinLnBrk="0" hangingPunct="1">
+              <a:lnSpc>
+                <a:spcPct val="90000"/>
+              </a:lnSpc>
+              <a:spcBef>
+                <a:spcPts val="500"/>
+              </a:spcBef>
+              <a:buFont typeface="Arial" panose="020B0604020202020204" pitchFamily="34" charset="0"/>
+              <a:buChar char="•"/>
+              <a:defRPr sz="1800" kern="1200">
+                <a:solidFill>
+                  <a:schemeClr val="tx1"/>
+                </a:solidFill>
+                <a:latin typeface="+mn-lt"/>
+                <a:ea typeface="+mn-ea"/>
+                <a:cs typeface="+mn-cs"/>
+              </a:defRPr>
+            </a:lvl8pPr>
+            <a:lvl9pPr marL="3886200" indent="-228600" algn="l" defTabSz="914400" rtl="0" eaLnBrk="1" latinLnBrk="0" hangingPunct="1">
+              <a:lnSpc>
+                <a:spcPct val="90000"/>
+              </a:lnSpc>
+              <a:spcBef>
+                <a:spcPts val="500"/>
+              </a:spcBef>
+              <a:buFont typeface="Arial" panose="020B0604020202020204" pitchFamily="34" charset="0"/>
+              <a:buChar char="•"/>
+              <a:defRPr sz="1800" kern="1200">
+                <a:solidFill>
+                  <a:schemeClr val="tx1"/>
+                </a:solidFill>
+                <a:latin typeface="+mn-lt"/>
+                <a:ea typeface="+mn-ea"/>
+                <a:cs typeface="+mn-cs"/>
+              </a:defRPr>
+            </a:lvl9pPr>
+          </a:lstStyle>
+          <a:p>
+            <a:r>
+              <a:rPr lang="en-US"/>
+              <a:t>API server uses mongo db for data storage</a:t>
+            </a:r>
+          </a:p>
+          <a:p>
+            <a:r>
+              <a:rPr lang="en-US"/>
+              <a:t>Docker-ize the mongo db</a:t>
+            </a:r>
+          </a:p>
+          <a:p>
+            <a:endParaRPr lang="en-US" dirty="0"/>
           </a:p>
         </p:txBody>
       </p:sp>
